--- a/移动端美术稿设计需求.pptx
+++ b/移动端美术稿设计需求.pptx
@@ -3472,15 +3472,7 @@
                   <a:srgbClr val="0070C0"/>
                 </a:solidFill>
               </a:rPr>
-              <a:t>前端眼里的美术</a:t>
-            </a:r>
-            <a:r>
-              <a:rPr lang="zh-CN" altLang="en-US" sz="2800" dirty="0" smtClean="0">
-                <a:solidFill>
-                  <a:srgbClr val="0070C0"/>
-                </a:solidFill>
-              </a:rPr>
-              <a:t>稿</a:t>
+              <a:t>前端眼里的美术稿</a:t>
             </a:r>
             <a:endParaRPr lang="en-US" altLang="zh-CN" sz="2800" dirty="0" smtClean="0">
               <a:solidFill>
@@ -3516,23 +3508,7 @@
                   <a:srgbClr val="0070C0"/>
                 </a:solidFill>
               </a:rPr>
-              <a:t> </a:t>
-            </a:r>
-            <a:r>
-              <a:rPr lang="zh-CN" altLang="en-US" sz="2800" dirty="0" smtClean="0">
-                <a:solidFill>
-                  <a:srgbClr val="0070C0"/>
-                </a:solidFill>
-              </a:rPr>
-              <a:t>美术稿宽度、字体的</a:t>
-            </a:r>
-            <a:r>
-              <a:rPr lang="zh-CN" altLang="en-US" sz="2800" dirty="0" smtClean="0">
-                <a:solidFill>
-                  <a:srgbClr val="0070C0"/>
-                </a:solidFill>
-              </a:rPr>
-              <a:t>选择</a:t>
+              <a:t> 美术稿宽度、字体的选择</a:t>
             </a:r>
             <a:endParaRPr lang="en-US" altLang="zh-CN" sz="2800" dirty="0" smtClean="0">
               <a:solidFill>
@@ -3557,15 +3533,7 @@
                   <a:srgbClr val="0070C0"/>
                 </a:solidFill>
               </a:rPr>
-              <a:t>3</a:t>
-            </a:r>
-            <a:r>
-              <a:rPr lang="en-US" altLang="zh-CN" sz="2800" dirty="0" smtClean="0">
-                <a:solidFill>
-                  <a:srgbClr val="0070C0"/>
-                </a:solidFill>
-              </a:rPr>
-              <a:t>. </a:t>
+              <a:t>3. </a:t>
             </a:r>
             <a:r>
               <a:rPr lang="zh-CN" altLang="en-US" sz="2800" dirty="0" smtClean="0">
@@ -3591,11 +3559,6 @@
               </a:rPr>
               <a:t>: 640x1136px</a:t>
             </a:r>
-            <a:endParaRPr lang="en-US" altLang="zh-CN" sz="2800" dirty="0">
-              <a:solidFill>
-                <a:srgbClr val="0070C0"/>
-              </a:solidFill>
-            </a:endParaRPr>
           </a:p>
         </p:txBody>
       </p:sp>
@@ -7552,7 +7515,6 @@
               <a:rPr lang="zh-CN" altLang="en-US" dirty="0"/>
               <a:t>会有顶部的状态栏和导航栏</a:t>
             </a:r>
-            <a:endParaRPr lang="zh-CN" altLang="en-US" dirty="0"/>
           </a:p>
         </p:txBody>
       </p:sp>
@@ -7707,7 +7669,6 @@
               <a:rPr lang="zh-CN" altLang="en-US" dirty="0"/>
               <a:t>设计稿要尽量保证单页下面没有重要内容。</a:t>
             </a:r>
-            <a:endParaRPr lang="zh-CN" altLang="en-US" dirty="0"/>
           </a:p>
         </p:txBody>
       </p:sp>
@@ -7881,7 +7842,6 @@
               <a:rPr lang="zh-CN" altLang="en-US" dirty="0"/>
               <a:t>）</a:t>
             </a:r>
-            <a:endParaRPr lang="zh-CN" altLang="en-US" dirty="0"/>
           </a:p>
         </p:txBody>
       </p:sp>
@@ -8306,11 +8266,7 @@
             </a:r>
             <a:r>
               <a:rPr lang="zh-CN" altLang="en-US" dirty="0" smtClean="0"/>
-              <a:t>、</a:t>
-            </a:r>
-            <a:r>
-              <a:rPr lang="zh-CN" altLang="en-US" dirty="0" smtClean="0"/>
-              <a:t>美术稿宽度为 </a:t>
+              <a:t>、美术稿宽度为 </a:t>
             </a:r>
             <a:r>
               <a:rPr lang="en-US" altLang="zh-CN" dirty="0" smtClean="0"/>
@@ -8348,11 +8304,7 @@
             </a:r>
             <a:r>
               <a:rPr lang="zh-CN" altLang="en-US" dirty="0" smtClean="0"/>
-              <a:t>、</a:t>
-            </a:r>
-            <a:r>
-              <a:rPr lang="zh-CN" altLang="en-US" dirty="0" smtClean="0"/>
-              <a:t>美术稿最小字号 </a:t>
+              <a:t>、美术稿最小字号 </a:t>
             </a:r>
             <a:r>
               <a:rPr lang="en-US" altLang="zh-CN" dirty="0" smtClean="0"/>
@@ -8469,7 +8421,6 @@
               <a:rPr lang="zh-CN" altLang="en-US" dirty="0"/>
               <a:t>的设计，必须遵循矩形的规则</a:t>
             </a:r>
-            <a:endParaRPr lang="zh-CN" altLang="en-US" dirty="0"/>
           </a:p>
         </p:txBody>
       </p:sp>
@@ -8512,6 +8463,74 @@
               <a:t>提供可纯色，或可平铺的图案，作为背景</a:t>
             </a:r>
             <a:endParaRPr lang="en-US" altLang="zh-CN" dirty="0"/>
+          </a:p>
+        </p:txBody>
+      </p:sp>
+      <p:sp>
+        <p:nvSpPr>
+          <p:cNvPr id="13" name="文本框 12"/>
+          <p:cNvSpPr txBox="1"/>
+          <p:nvPr/>
+        </p:nvSpPr>
+        <p:spPr>
+          <a:xfrm>
+            <a:off x="1683520" y="5235348"/>
+            <a:ext cx="5563318" cy="369332"/>
+          </a:xfrm>
+          <a:prstGeom prst="rect">
+            <a:avLst/>
+          </a:prstGeom>
+          <a:noFill/>
+        </p:spPr>
+        <p:txBody>
+          <a:bodyPr wrap="none" rtlCol="0">
+            <a:spAutoFit/>
+          </a:bodyPr>
+          <a:lstStyle/>
+          <a:p>
+            <a:r>
+              <a:rPr lang="en-US" altLang="zh-CN" dirty="0" smtClean="0"/>
+              <a:t>8</a:t>
+            </a:r>
+            <a:r>
+              <a:rPr lang="zh-CN" altLang="en-US" dirty="0" smtClean="0"/>
+              <a:t>、删除多余图层，多余的图层，对前端是一种干扰</a:t>
+            </a:r>
+            <a:endParaRPr lang="zh-CN" altLang="en-US" dirty="0"/>
+          </a:p>
+        </p:txBody>
+      </p:sp>
+      <p:sp>
+        <p:nvSpPr>
+          <p:cNvPr id="14" name="文本框 13"/>
+          <p:cNvSpPr txBox="1"/>
+          <p:nvPr/>
+        </p:nvSpPr>
+        <p:spPr>
+          <a:xfrm>
+            <a:off x="1683520" y="5756641"/>
+            <a:ext cx="6764993" cy="369332"/>
+          </a:xfrm>
+          <a:prstGeom prst="rect">
+            <a:avLst/>
+          </a:prstGeom>
+          <a:noFill/>
+        </p:spPr>
+        <p:txBody>
+          <a:bodyPr wrap="none" rtlCol="0">
+            <a:spAutoFit/>
+          </a:bodyPr>
+          <a:lstStyle/>
+          <a:p>
+            <a:r>
+              <a:rPr lang="en-US" altLang="zh-CN" dirty="0"/>
+              <a:t>9</a:t>
+            </a:r>
+            <a:r>
+              <a:rPr lang="zh-CN" altLang="en-US" dirty="0" smtClean="0"/>
+              <a:t>、适当合并图层，并且有意义的命名，方便快速找到适合的资源</a:t>
+            </a:r>
+            <a:endParaRPr lang="zh-CN" altLang="en-US" dirty="0"/>
           </a:p>
         </p:txBody>
       </p:sp>
